--- a/docs/寵物售賣和轉賣分布式.pptx
+++ b/docs/寵物售賣和轉賣分布式.pptx
@@ -6,16 +6,16 @@
   </p:sldMasterIdLst>
   <p:sldIdLst>
     <p:sldId id="256" r:id="rId2"/>
-    <p:sldId id="257" r:id="rId3"/>
-    <p:sldId id="258" r:id="rId4"/>
-    <p:sldId id="259" r:id="rId5"/>
-    <p:sldId id="267" r:id="rId6"/>
-    <p:sldId id="260" r:id="rId7"/>
-    <p:sldId id="261" r:id="rId8"/>
-    <p:sldId id="262" r:id="rId9"/>
-    <p:sldId id="263" r:id="rId10"/>
-    <p:sldId id="264" r:id="rId11"/>
-    <p:sldId id="265" r:id="rId12"/>
+    <p:sldId id="265" r:id="rId3"/>
+    <p:sldId id="257" r:id="rId4"/>
+    <p:sldId id="258" r:id="rId5"/>
+    <p:sldId id="259" r:id="rId6"/>
+    <p:sldId id="267" r:id="rId7"/>
+    <p:sldId id="260" r:id="rId8"/>
+    <p:sldId id="261" r:id="rId9"/>
+    <p:sldId id="262" r:id="rId10"/>
+    <p:sldId id="263" r:id="rId11"/>
+    <p:sldId id="264" r:id="rId12"/>
     <p:sldId id="266" r:id="rId13"/>
   </p:sldIdLst>
   <p:sldSz cx="12192000" cy="6858000"/>
@@ -115,6 +115,11 @@
       </a:defRPr>
     </a:lvl9pPr>
   </p:defaultTextStyle>
+  <p:extLst>
+    <p:ext uri="{EFAFB233-063F-42B5-8137-9DF3F51BA10A}">
+      <p15:sldGuideLst xmlns:p15="http://schemas.microsoft.com/office/powerpoint/2012/main"/>
+    </p:ext>
+  </p:extLst>
 </p:presentation>
 </file>
 
@@ -7723,24 +7728,16 @@
           <a:lstStyle/>
           <a:p>
             <a:r>
-              <a:rPr lang="zh-CN" altLang="en-US" dirty="0"/>
+              <a:rPr lang="zh-CN" altLang="en-US" dirty="0" smtClean="0"/>
               <a:t>系統開發</a:t>
             </a:r>
             <a:r>
-              <a:rPr lang="en-US" altLang="zh-CN" dirty="0"/>
+              <a:rPr lang="en-US" altLang="zh-CN" dirty="0" smtClean="0"/>
               <a:t>-</a:t>
             </a:r>
             <a:r>
-              <a:rPr lang="zh-CN" altLang="en-US" dirty="0"/>
-              <a:t>智能合</a:t>
-            </a:r>
-            <a:r>
               <a:rPr lang="zh-CN" altLang="en-US" dirty="0" smtClean="0"/>
-              <a:t>約</a:t>
-            </a:r>
-            <a:r>
-              <a:rPr lang="en-US" altLang="zh-CN" dirty="0" smtClean="0"/>
-              <a:t>SDK</a:t>
+              <a:t>智能合約</a:t>
             </a:r>
             <a:endParaRPr lang="zh-MO" altLang="en-US" dirty="0"/>
           </a:p>
@@ -7762,12 +7759,8 @@
           <a:lstStyle/>
           <a:p>
             <a:r>
-              <a:rPr lang="en-US" altLang="zh-CN" dirty="0" smtClean="0"/>
-              <a:t>Service SDK</a:t>
-            </a:r>
-            <a:r>
-              <a:rPr lang="zh-CN" altLang="en-US" dirty="0" smtClean="0"/>
-              <a:t>開發</a:t>
+              <a:rPr lang="en-US" altLang="zh-CN" dirty="0" err="1" smtClean="0"/>
+              <a:t>PetMartet.sol</a:t>
             </a:r>
             <a:endParaRPr lang="en-US" altLang="zh-CN" dirty="0" smtClean="0"/>
           </a:p>
@@ -7775,24 +7768,9 @@
             <a:endParaRPr lang="en-US" altLang="zh-MO" dirty="0"/>
           </a:p>
           <a:p>
-            <a:endParaRPr lang="en-US" altLang="zh-MO" dirty="0" smtClean="0"/>
-          </a:p>
-          <a:p>
-            <a:r>
-              <a:rPr lang="en-US" altLang="zh-CN" dirty="0" smtClean="0"/>
-              <a:t>Controller</a:t>
-            </a:r>
-            <a:r>
-              <a:rPr lang="zh-CN" altLang="en-US" dirty="0" smtClean="0"/>
-              <a:t>的</a:t>
-            </a:r>
-            <a:r>
-              <a:rPr lang="en-US" altLang="zh-CN" dirty="0" smtClean="0"/>
-              <a:t>Restful API</a:t>
-            </a:r>
-            <a:r>
-              <a:rPr lang="zh-CN" altLang="en-US" dirty="0" smtClean="0"/>
-              <a:t>開發；</a:t>
+            <a:r>
+              <a:rPr lang="en-US" altLang="zh-MO" dirty="0" err="1" smtClean="0"/>
+              <a:t>PetTable.sol</a:t>
             </a:r>
             <a:endParaRPr lang="zh-MO" altLang="en-US" dirty="0"/>
           </a:p>
@@ -7801,7 +7779,7 @@
     </p:spTree>
     <p:extLst>
       <p:ext uri="{BB962C8B-B14F-4D97-AF65-F5344CB8AC3E}">
-        <p14:creationId xmlns:p14="http://schemas.microsoft.com/office/powerpoint/2010/main" val="3101933973"/>
+        <p14:creationId xmlns:p14="http://schemas.microsoft.com/office/powerpoint/2010/main" val="2901467949"/>
       </p:ext>
     </p:extLst>
   </p:cSld>
@@ -7845,11 +7823,23 @@
           <a:p>
             <a:r>
               <a:rPr lang="zh-CN" altLang="en-US" dirty="0"/>
-              <a:t>小</a:t>
+              <a:t>系統開發</a:t>
+            </a:r>
+            <a:r>
+              <a:rPr lang="en-US" altLang="zh-CN" dirty="0"/>
+              <a:t>-</a:t>
+            </a:r>
+            <a:r>
+              <a:rPr lang="zh-CN" altLang="en-US" dirty="0"/>
+              <a:t>智能合</a:t>
             </a:r>
             <a:r>
               <a:rPr lang="zh-CN" altLang="en-US" dirty="0" smtClean="0"/>
-              <a:t>組成員</a:t>
+              <a:t>約</a:t>
+            </a:r>
+            <a:r>
+              <a:rPr lang="en-US" altLang="zh-CN" dirty="0" smtClean="0"/>
+              <a:t>SDK</a:t>
             </a:r>
             <a:endParaRPr lang="zh-MO" altLang="en-US" dirty="0"/>
           </a:p>
@@ -7871,36 +7861,37 @@
           <a:lstStyle/>
           <a:p>
             <a:r>
+              <a:rPr lang="en-US" altLang="zh-CN" dirty="0" smtClean="0"/>
+              <a:t>Service SDK</a:t>
+            </a:r>
+            <a:r>
               <a:rPr lang="zh-CN" altLang="en-US" dirty="0" smtClean="0"/>
-              <a:t>黃永存</a:t>
+              <a:t>開發</a:t>
             </a:r>
             <a:endParaRPr lang="en-US" altLang="zh-CN" dirty="0" smtClean="0"/>
           </a:p>
           <a:p>
+            <a:endParaRPr lang="en-US" altLang="zh-MO" dirty="0"/>
+          </a:p>
+          <a:p>
+            <a:endParaRPr lang="en-US" altLang="zh-MO" dirty="0" smtClean="0"/>
+          </a:p>
+          <a:p>
+            <a:r>
+              <a:rPr lang="en-US" altLang="zh-CN" dirty="0" smtClean="0"/>
+              <a:t>Controller</a:t>
+            </a:r>
             <a:r>
               <a:rPr lang="zh-CN" altLang="en-US" dirty="0" smtClean="0"/>
-              <a:t>黃忠星</a:t>
-            </a:r>
-            <a:endParaRPr lang="en-US" altLang="zh-CN" dirty="0" smtClean="0"/>
-          </a:p>
-          <a:p>
+              <a:t>的</a:t>
+            </a:r>
+            <a:r>
+              <a:rPr lang="en-US" altLang="zh-CN" dirty="0" smtClean="0"/>
+              <a:t>Restful API</a:t>
+            </a:r>
             <a:r>
               <a:rPr lang="zh-CN" altLang="en-US" dirty="0" smtClean="0"/>
-              <a:t>溫建</a:t>
-            </a:r>
-            <a:endParaRPr lang="en-US" altLang="zh-CN" dirty="0" smtClean="0"/>
-          </a:p>
-          <a:p>
-            <a:r>
-              <a:rPr lang="zh-CN" altLang="en-US" dirty="0" smtClean="0"/>
-              <a:t>健？</a:t>
-            </a:r>
-            <a:endParaRPr lang="en-US" altLang="zh-CN" dirty="0" smtClean="0"/>
-          </a:p>
-          <a:p>
-            <a:r>
-              <a:rPr lang="zh-CN" altLang="en-US" dirty="0"/>
-              <a:t>？</a:t>
+              <a:t>開發；</a:t>
             </a:r>
             <a:endParaRPr lang="zh-MO" altLang="en-US" dirty="0"/>
           </a:p>
@@ -7909,7 +7900,7 @@
     </p:spTree>
     <p:extLst>
       <p:ext uri="{BB962C8B-B14F-4D97-AF65-F5344CB8AC3E}">
-        <p14:creationId xmlns:p14="http://schemas.microsoft.com/office/powerpoint/2010/main" val="2130958967"/>
+        <p14:creationId xmlns:p14="http://schemas.microsoft.com/office/powerpoint/2010/main" val="3101933973"/>
       </p:ext>
     </p:extLst>
   </p:cSld>
@@ -8051,8 +8042,12 @@
           <a:lstStyle/>
           <a:p>
             <a:r>
+              <a:rPr lang="zh-CN" altLang="en-US" dirty="0"/>
+              <a:t>小</a:t>
+            </a:r>
+            <a:r>
               <a:rPr lang="zh-CN" altLang="en-US" dirty="0" smtClean="0"/>
-              <a:t>系統總體需求</a:t>
+              <a:t>組成員</a:t>
             </a:r>
             <a:endParaRPr lang="zh-MO" altLang="en-US" dirty="0"/>
           </a:p>
@@ -8074,48 +8069,66 @@
           <a:lstStyle/>
           <a:p>
             <a:r>
+              <a:rPr lang="zh-CN" altLang="en-US" dirty="0" smtClean="0"/>
+              <a:t>萬訊電腦</a:t>
+            </a:r>
+            <a:endParaRPr lang="en-US" altLang="zh-CN" dirty="0" smtClean="0"/>
+          </a:p>
+          <a:p>
+            <a:pPr lvl="1"/>
+            <a:r>
+              <a:rPr lang="zh-CN" altLang="en-US" dirty="0" smtClean="0"/>
+              <a:t>黃永存</a:t>
+            </a:r>
+            <a:endParaRPr lang="en-US" altLang="zh-CN" dirty="0" smtClean="0"/>
+          </a:p>
+          <a:p>
+            <a:pPr lvl="1"/>
+            <a:r>
+              <a:rPr lang="zh-CN" altLang="en-US" dirty="0" smtClean="0"/>
+              <a:t>黃忠星</a:t>
+            </a:r>
+            <a:endParaRPr lang="en-US" altLang="zh-CN" dirty="0" smtClean="0"/>
+          </a:p>
+          <a:p>
+            <a:pPr lvl="1"/>
+            <a:r>
+              <a:rPr lang="zh-CN" altLang="en-US" dirty="0" smtClean="0"/>
+              <a:t>溫建</a:t>
+            </a:r>
+            <a:endParaRPr lang="en-US" altLang="zh-CN" dirty="0" smtClean="0"/>
+          </a:p>
+          <a:p>
+            <a:r>
+              <a:rPr lang="en-US" altLang="zh-CN" dirty="0" smtClean="0"/>
+              <a:t>CPTTM</a:t>
+            </a:r>
+          </a:p>
+          <a:p>
+            <a:pPr lvl="1"/>
+            <a:r>
               <a:rPr lang="zh-CN" altLang="en-US" dirty="0"/>
-              <a:t>出售人：将宠物上架、制定价格、售卖成功则收款。</a:t>
-            </a:r>
-          </a:p>
-          <a:p>
-            <a:r>
-              <a:rPr lang="zh-CN" altLang="en-US" dirty="0"/>
-              <a:t>购买人：选择宠物、进行购买。</a:t>
-            </a:r>
-          </a:p>
-          <a:p>
-            <a:r>
-              <a:rPr lang="zh-CN" altLang="en-US" dirty="0"/>
-              <a:t>宠物：</a:t>
-            </a:r>
-            <a:r>
-              <a:rPr lang="en-US" altLang="zh-CN" dirty="0"/>
-              <a:t>ID</a:t>
-            </a:r>
-            <a:r>
-              <a:rPr lang="zh-CN" altLang="en-US" dirty="0"/>
-              <a:t>、名称、品类（猫、狗、兔、恐龙等）、出生日期、价格、描述（一段文字供展示）等、 有效状态、图片所在</a:t>
-            </a:r>
-            <a:r>
-              <a:rPr lang="en-US" altLang="zh-CN" dirty="0" err="1"/>
-              <a:t>url</a:t>
-            </a:r>
-            <a:r>
-              <a:rPr lang="zh-CN" altLang="en-US" dirty="0"/>
-              <a:t>等扩展信息</a:t>
-            </a:r>
-          </a:p>
-          <a:p>
-            <a:r>
-              <a:rPr lang="zh-CN" altLang="en-US" dirty="0"/>
-              <a:t>管理员：帐户开户、初始化、监测市场里的宠物价格分布、售卖次数、处理纠纷。</a:t>
-            </a:r>
-          </a:p>
-          <a:p>
-            <a:r>
-              <a:rPr lang="zh-CN" altLang="en-US" dirty="0"/>
-              <a:t>市场：展示在售宠物列表</a:t>
+              <a:t>周子</a:t>
+            </a:r>
+            <a:r>
+              <a:rPr lang="zh-CN" altLang="en-US" dirty="0" smtClean="0"/>
+              <a:t>健</a:t>
+            </a:r>
+            <a:endParaRPr lang="en-US" altLang="zh-CN" dirty="0" smtClean="0"/>
+          </a:p>
+          <a:p>
+            <a:pPr lvl="1"/>
+            <a:r>
+              <a:rPr lang="zh-CN" altLang="en-US"/>
+              <a:t>賀</a:t>
+            </a:r>
+            <a:r>
+              <a:rPr lang="zh-CN" altLang="en-US"/>
+              <a:t>文</a:t>
+            </a:r>
+            <a:r>
+              <a:rPr lang="zh-CN" altLang="en-US" smtClean="0"/>
+              <a:t>靖</a:t>
             </a:r>
             <a:endParaRPr lang="zh-MO" altLang="en-US" dirty="0"/>
           </a:p>
@@ -8124,7 +8137,7 @@
     </p:spTree>
     <p:extLst>
       <p:ext uri="{BB962C8B-B14F-4D97-AF65-F5344CB8AC3E}">
-        <p14:creationId xmlns:p14="http://schemas.microsoft.com/office/powerpoint/2010/main" val="2843614291"/>
+        <p14:creationId xmlns:p14="http://schemas.microsoft.com/office/powerpoint/2010/main" val="2130958967"/>
       </p:ext>
     </p:extLst>
   </p:cSld>
@@ -8168,7 +8181,7 @@
           <a:p>
             <a:r>
               <a:rPr lang="zh-CN" altLang="en-US" dirty="0" smtClean="0"/>
-              <a:t>用戶故事</a:t>
+              <a:t>系統總體需求</a:t>
             </a:r>
             <a:endParaRPr lang="zh-MO" altLang="en-US" dirty="0"/>
           </a:p>
@@ -8186,176 +8199,53 @@
         </p:nvSpPr>
         <p:spPr/>
         <p:txBody>
-          <a:bodyPr>
-            <a:normAutofit fontScale="92500" lnSpcReduction="20000"/>
-          </a:bodyPr>
+          <a:bodyPr/>
           <a:lstStyle/>
           <a:p>
             <a:r>
-              <a:rPr lang="en-US" altLang="zh-TW" dirty="0"/>
-              <a:t>1. </a:t>
-            </a:r>
-            <a:r>
-              <a:rPr lang="zh-TW" altLang="en-US" dirty="0"/>
-              <a:t>寵物上架</a:t>
-            </a:r>
-          </a:p>
-          <a:p>
-            <a:r>
-              <a:rPr lang="zh-TW" altLang="en-US" dirty="0"/>
-              <a:t>        </a:t>
-            </a:r>
-            <a:r>
-              <a:rPr lang="en-US" altLang="zh-TW" dirty="0"/>
-              <a:t>1. </a:t>
-            </a:r>
-            <a:r>
-              <a:rPr lang="zh-TW" altLang="en-US" dirty="0"/>
-              <a:t>寵物主人將寵物資料輸入系統，寵物資料有：</a:t>
-            </a:r>
-            <a:r>
-              <a:rPr lang="en-US" altLang="zh-TW" dirty="0"/>
-              <a:t>ID,</a:t>
-            </a:r>
-            <a:r>
-              <a:rPr lang="zh-TW" altLang="en-US" dirty="0"/>
-              <a:t>名稱，品類，出生日期，價格，描述，有效狀態，圖片所在</a:t>
-            </a:r>
-            <a:r>
-              <a:rPr lang="en-US" altLang="zh-TW" dirty="0" err="1"/>
+              <a:rPr lang="zh-CN" altLang="en-US" dirty="0"/>
+              <a:t>出售人：将宠物上架、制定价格、售卖成功则收款。</a:t>
+            </a:r>
+          </a:p>
+          <a:p>
+            <a:r>
+              <a:rPr lang="zh-CN" altLang="en-US" dirty="0"/>
+              <a:t>购买人：选择宠物、进行购买。</a:t>
+            </a:r>
+          </a:p>
+          <a:p>
+            <a:r>
+              <a:rPr lang="zh-CN" altLang="en-US" dirty="0"/>
+              <a:t>宠物：</a:t>
+            </a:r>
+            <a:r>
+              <a:rPr lang="en-US" altLang="zh-CN" dirty="0"/>
+              <a:t>ID</a:t>
+            </a:r>
+            <a:r>
+              <a:rPr lang="zh-CN" altLang="en-US" dirty="0"/>
+              <a:t>、名称、品类（猫、狗、兔、恐龙等）、出生日期、价格、描述（一段文字供展示）等、 有效状态、图片所在</a:t>
+            </a:r>
+            <a:r>
+              <a:rPr lang="en-US" altLang="zh-CN" dirty="0" err="1"/>
               <a:t>url</a:t>
             </a:r>
             <a:r>
-              <a:rPr lang="zh-TW" altLang="en-US" dirty="0"/>
-              <a:t>，寵物主人</a:t>
-            </a:r>
-            <a:r>
-              <a:rPr lang="zh-TW" altLang="en-US" dirty="0" smtClean="0"/>
-              <a:t>；</a:t>
-            </a:r>
-            <a:endParaRPr lang="en-US" altLang="zh-TW" dirty="0" smtClean="0"/>
-          </a:p>
-          <a:p>
-            <a:r>
-              <a:rPr lang="en-US" altLang="zh-TW" dirty="0"/>
-              <a:t>2. </a:t>
-            </a:r>
-            <a:r>
-              <a:rPr lang="zh-TW" altLang="en-US" dirty="0"/>
-              <a:t>修改價格</a:t>
-            </a:r>
-          </a:p>
-          <a:p>
-            <a:r>
-              <a:rPr lang="zh-TW" altLang="en-US" dirty="0"/>
-              <a:t>        </a:t>
-            </a:r>
-            <a:r>
-              <a:rPr lang="en-US" altLang="zh-TW" dirty="0"/>
-              <a:t>1. </a:t>
-            </a:r>
-            <a:r>
-              <a:rPr lang="zh-TW" altLang="en-US" dirty="0"/>
-              <a:t>寵物主</a:t>
-            </a:r>
-            <a:r>
-              <a:rPr lang="zh-TW" altLang="en-US" dirty="0" smtClean="0"/>
-              <a:t>人可</a:t>
-            </a:r>
-            <a:r>
-              <a:rPr lang="zh-TW" altLang="en-US" dirty="0"/>
-              <a:t>修改價格</a:t>
-            </a:r>
-            <a:r>
-              <a:rPr lang="zh-TW" altLang="en-US" dirty="0" smtClean="0"/>
-              <a:t>；</a:t>
-            </a:r>
-            <a:endParaRPr lang="en-US" altLang="zh-TW" dirty="0" smtClean="0"/>
-          </a:p>
-          <a:p>
-            <a:r>
-              <a:rPr lang="en-US" altLang="zh-TW" dirty="0"/>
-              <a:t>3. </a:t>
-            </a:r>
-            <a:r>
-              <a:rPr lang="zh-TW" altLang="en-US" dirty="0"/>
-              <a:t>寵物下架</a:t>
-            </a:r>
-          </a:p>
-          <a:p>
-            <a:r>
-              <a:rPr lang="zh-TW" altLang="en-US" dirty="0"/>
-              <a:t>        </a:t>
-            </a:r>
-            <a:r>
-              <a:rPr lang="en-US" altLang="zh-TW" dirty="0"/>
-              <a:t>1. </a:t>
-            </a:r>
-            <a:r>
-              <a:rPr lang="zh-TW" altLang="en-US" dirty="0"/>
-              <a:t>寵物主人不想售賣時，可將寵物下架，修改有效狀態</a:t>
-            </a:r>
-            <a:r>
-              <a:rPr lang="zh-TW" altLang="en-US" dirty="0" smtClean="0"/>
-              <a:t>；</a:t>
-            </a:r>
-            <a:endParaRPr lang="en-US" altLang="zh-TW" dirty="0" smtClean="0"/>
-          </a:p>
-          <a:p>
-            <a:r>
-              <a:rPr lang="en-US" altLang="zh-TW" dirty="0"/>
-              <a:t>4. </a:t>
-            </a:r>
-            <a:r>
-              <a:rPr lang="zh-TW" altLang="en-US" dirty="0"/>
-              <a:t>售賣成功收款</a:t>
-            </a:r>
-          </a:p>
-          <a:p>
-            <a:r>
-              <a:rPr lang="zh-TW" altLang="en-US" dirty="0"/>
-              <a:t>        </a:t>
-            </a:r>
-            <a:r>
-              <a:rPr lang="en-US" altLang="zh-TW" dirty="0"/>
-              <a:t>1. </a:t>
-            </a:r>
-            <a:r>
-              <a:rPr lang="zh-TW" altLang="en-US" dirty="0"/>
-              <a:t>寵物主人查看收款</a:t>
-            </a:r>
-            <a:r>
-              <a:rPr lang="zh-TW" altLang="en-US" dirty="0" smtClean="0"/>
-              <a:t>；</a:t>
-            </a:r>
-            <a:endParaRPr lang="en-US" altLang="zh-TW" dirty="0" smtClean="0"/>
-          </a:p>
-          <a:p>
-            <a:r>
-              <a:rPr lang="en-US" altLang="zh-TW" dirty="0"/>
-              <a:t>5. </a:t>
-            </a:r>
-            <a:r>
-              <a:rPr lang="zh-TW" altLang="en-US" dirty="0"/>
-              <a:t>瀏覽寵物</a:t>
-            </a:r>
-          </a:p>
-          <a:p>
-            <a:r>
-              <a:rPr lang="zh-TW" altLang="en-US" dirty="0"/>
-              <a:t>        </a:t>
-            </a:r>
-            <a:r>
-              <a:rPr lang="en-US" altLang="zh-TW" dirty="0"/>
-              <a:t>1. </a:t>
-            </a:r>
-            <a:r>
-              <a:rPr lang="zh-TW" altLang="en-US" dirty="0"/>
-              <a:t>購買人瀏覽寵物列表；</a:t>
-            </a:r>
-            <a:endParaRPr lang="en-US" altLang="zh-TW" dirty="0"/>
-          </a:p>
-          <a:p>
+              <a:rPr lang="zh-CN" altLang="en-US" dirty="0"/>
+              <a:t>等扩展信息</a:t>
+            </a:r>
+          </a:p>
+          <a:p>
+            <a:r>
+              <a:rPr lang="zh-CN" altLang="en-US" dirty="0"/>
+              <a:t>管理员：帐户开户、初始化、监测市场里的宠物价格分布、售卖次数、处理纠纷。</a:t>
+            </a:r>
+          </a:p>
+          <a:p>
+            <a:r>
+              <a:rPr lang="zh-CN" altLang="en-US" dirty="0"/>
+              <a:t>市场：展示在售宠物列表</a:t>
+            </a:r>
             <a:endParaRPr lang="zh-MO" altLang="en-US" dirty="0"/>
           </a:p>
         </p:txBody>
@@ -8363,7 +8253,7 @@
     </p:spTree>
     <p:extLst>
       <p:ext uri="{BB962C8B-B14F-4D97-AF65-F5344CB8AC3E}">
-        <p14:creationId xmlns:p14="http://schemas.microsoft.com/office/powerpoint/2010/main" val="1048946638"/>
+        <p14:creationId xmlns:p14="http://schemas.microsoft.com/office/powerpoint/2010/main" val="2843614291"/>
       </p:ext>
     </p:extLst>
   </p:cSld>
@@ -8406,6 +8296,245 @@
           <a:lstStyle/>
           <a:p>
             <a:r>
+              <a:rPr lang="zh-CN" altLang="en-US" dirty="0" smtClean="0"/>
+              <a:t>用戶故事</a:t>
+            </a:r>
+            <a:endParaRPr lang="zh-MO" altLang="en-US" dirty="0"/>
+          </a:p>
+        </p:txBody>
+      </p:sp>
+      <p:sp>
+        <p:nvSpPr>
+          <p:cNvPr id="3" name="内容占位符 2"/>
+          <p:cNvSpPr>
+            <a:spLocks noGrp="1"/>
+          </p:cNvSpPr>
+          <p:nvPr>
+            <p:ph idx="1"/>
+          </p:nvPr>
+        </p:nvSpPr>
+        <p:spPr/>
+        <p:txBody>
+          <a:bodyPr>
+            <a:normAutofit fontScale="92500" lnSpcReduction="20000"/>
+          </a:bodyPr>
+          <a:lstStyle/>
+          <a:p>
+            <a:r>
+              <a:rPr lang="en-US" altLang="zh-TW" dirty="0"/>
+              <a:t>1. </a:t>
+            </a:r>
+            <a:r>
+              <a:rPr lang="zh-TW" altLang="en-US" dirty="0"/>
+              <a:t>寵物上架</a:t>
+            </a:r>
+          </a:p>
+          <a:p>
+            <a:r>
+              <a:rPr lang="zh-TW" altLang="en-US" dirty="0"/>
+              <a:t>        </a:t>
+            </a:r>
+            <a:r>
+              <a:rPr lang="en-US" altLang="zh-TW" dirty="0"/>
+              <a:t>1. </a:t>
+            </a:r>
+            <a:r>
+              <a:rPr lang="zh-TW" altLang="en-US" dirty="0"/>
+              <a:t>寵物主人將寵物資料輸入系統，寵物資料有：</a:t>
+            </a:r>
+            <a:r>
+              <a:rPr lang="en-US" altLang="zh-TW" dirty="0"/>
+              <a:t>ID,</a:t>
+            </a:r>
+            <a:r>
+              <a:rPr lang="zh-TW" altLang="en-US" dirty="0"/>
+              <a:t>名稱，品類，出生日期，價格，描述，有效狀態，圖片所在</a:t>
+            </a:r>
+            <a:r>
+              <a:rPr lang="en-US" altLang="zh-TW" dirty="0" err="1"/>
+              <a:t>url</a:t>
+            </a:r>
+            <a:r>
+              <a:rPr lang="zh-TW" altLang="en-US" dirty="0"/>
+              <a:t>，寵物主人</a:t>
+            </a:r>
+            <a:r>
+              <a:rPr lang="zh-TW" altLang="en-US" dirty="0" smtClean="0"/>
+              <a:t>；</a:t>
+            </a:r>
+            <a:endParaRPr lang="en-US" altLang="zh-TW" dirty="0" smtClean="0"/>
+          </a:p>
+          <a:p>
+            <a:r>
+              <a:rPr lang="en-US" altLang="zh-TW" dirty="0"/>
+              <a:t>2. </a:t>
+            </a:r>
+            <a:r>
+              <a:rPr lang="zh-TW" altLang="en-US" dirty="0"/>
+              <a:t>修改價格</a:t>
+            </a:r>
+          </a:p>
+          <a:p>
+            <a:r>
+              <a:rPr lang="zh-TW" altLang="en-US" dirty="0"/>
+              <a:t>        </a:t>
+            </a:r>
+            <a:r>
+              <a:rPr lang="en-US" altLang="zh-TW" dirty="0"/>
+              <a:t>1. </a:t>
+            </a:r>
+            <a:r>
+              <a:rPr lang="zh-TW" altLang="en-US" dirty="0"/>
+              <a:t>寵物主</a:t>
+            </a:r>
+            <a:r>
+              <a:rPr lang="zh-TW" altLang="en-US" dirty="0" smtClean="0"/>
+              <a:t>人可</a:t>
+            </a:r>
+            <a:r>
+              <a:rPr lang="zh-TW" altLang="en-US" dirty="0"/>
+              <a:t>修改價格</a:t>
+            </a:r>
+            <a:r>
+              <a:rPr lang="zh-TW" altLang="en-US" dirty="0" smtClean="0"/>
+              <a:t>；</a:t>
+            </a:r>
+            <a:endParaRPr lang="en-US" altLang="zh-TW" dirty="0" smtClean="0"/>
+          </a:p>
+          <a:p>
+            <a:r>
+              <a:rPr lang="en-US" altLang="zh-TW" dirty="0"/>
+              <a:t>3. </a:t>
+            </a:r>
+            <a:r>
+              <a:rPr lang="zh-TW" altLang="en-US" dirty="0"/>
+              <a:t>寵物下架</a:t>
+            </a:r>
+          </a:p>
+          <a:p>
+            <a:r>
+              <a:rPr lang="zh-TW" altLang="en-US" dirty="0"/>
+              <a:t>        </a:t>
+            </a:r>
+            <a:r>
+              <a:rPr lang="en-US" altLang="zh-TW" dirty="0"/>
+              <a:t>1. </a:t>
+            </a:r>
+            <a:r>
+              <a:rPr lang="zh-TW" altLang="en-US" dirty="0"/>
+              <a:t>寵物主人不想售賣時，可將寵物下架，修改有效狀態</a:t>
+            </a:r>
+            <a:r>
+              <a:rPr lang="zh-TW" altLang="en-US" dirty="0" smtClean="0"/>
+              <a:t>；</a:t>
+            </a:r>
+            <a:endParaRPr lang="en-US" altLang="zh-TW" dirty="0" smtClean="0"/>
+          </a:p>
+          <a:p>
+            <a:r>
+              <a:rPr lang="en-US" altLang="zh-TW" dirty="0"/>
+              <a:t>4. </a:t>
+            </a:r>
+            <a:r>
+              <a:rPr lang="zh-TW" altLang="en-US" dirty="0"/>
+              <a:t>售賣成功收款</a:t>
+            </a:r>
+          </a:p>
+          <a:p>
+            <a:r>
+              <a:rPr lang="zh-TW" altLang="en-US" dirty="0"/>
+              <a:t>        </a:t>
+            </a:r>
+            <a:r>
+              <a:rPr lang="en-US" altLang="zh-TW" dirty="0"/>
+              <a:t>1. </a:t>
+            </a:r>
+            <a:r>
+              <a:rPr lang="zh-TW" altLang="en-US" dirty="0"/>
+              <a:t>寵物主人查看收款</a:t>
+            </a:r>
+            <a:r>
+              <a:rPr lang="zh-TW" altLang="en-US" dirty="0" smtClean="0"/>
+              <a:t>；</a:t>
+            </a:r>
+            <a:endParaRPr lang="en-US" altLang="zh-TW" dirty="0" smtClean="0"/>
+          </a:p>
+          <a:p>
+            <a:r>
+              <a:rPr lang="en-US" altLang="zh-TW" dirty="0"/>
+              <a:t>5. </a:t>
+            </a:r>
+            <a:r>
+              <a:rPr lang="zh-TW" altLang="en-US" dirty="0"/>
+              <a:t>瀏覽寵物</a:t>
+            </a:r>
+          </a:p>
+          <a:p>
+            <a:r>
+              <a:rPr lang="zh-TW" altLang="en-US" dirty="0"/>
+              <a:t>        </a:t>
+            </a:r>
+            <a:r>
+              <a:rPr lang="en-US" altLang="zh-TW" dirty="0"/>
+              <a:t>1. </a:t>
+            </a:r>
+            <a:r>
+              <a:rPr lang="zh-TW" altLang="en-US" dirty="0"/>
+              <a:t>購買人瀏覽寵物列表；</a:t>
+            </a:r>
+            <a:endParaRPr lang="en-US" altLang="zh-TW" dirty="0"/>
+          </a:p>
+          <a:p>
+            <a:endParaRPr lang="zh-MO" altLang="en-US" dirty="0"/>
+          </a:p>
+        </p:txBody>
+      </p:sp>
+    </p:spTree>
+    <p:extLst>
+      <p:ext uri="{BB962C8B-B14F-4D97-AF65-F5344CB8AC3E}">
+        <p14:creationId xmlns:p14="http://schemas.microsoft.com/office/powerpoint/2010/main" val="1048946638"/>
+      </p:ext>
+    </p:extLst>
+  </p:cSld>
+  <p:clrMapOvr>
+    <a:masterClrMapping/>
+  </p:clrMapOvr>
+</p:sld>
+</file>
+
+<file path=ppt/slides/slide5.xml><?xml version="1.0" encoding="utf-8"?>
+<p:sld xmlns:a="http://schemas.openxmlformats.org/drawingml/2006/main" xmlns:r="http://schemas.openxmlformats.org/officeDocument/2006/relationships" xmlns:p="http://schemas.openxmlformats.org/presentationml/2006/main">
+  <p:cSld>
+    <p:spTree>
+      <p:nvGrpSpPr>
+        <p:cNvPr id="1" name=""/>
+        <p:cNvGrpSpPr/>
+        <p:nvPr/>
+      </p:nvGrpSpPr>
+      <p:grpSpPr>
+        <a:xfrm>
+          <a:off x="0" y="0"/>
+          <a:ext cx="0" cy="0"/>
+          <a:chOff x="0" y="0"/>
+          <a:chExt cx="0" cy="0"/>
+        </a:xfrm>
+      </p:grpSpPr>
+      <p:sp>
+        <p:nvSpPr>
+          <p:cNvPr id="2" name="标题 1"/>
+          <p:cNvSpPr>
+            <a:spLocks noGrp="1"/>
+          </p:cNvSpPr>
+          <p:nvPr>
+            <p:ph type="title"/>
+          </p:nvPr>
+        </p:nvSpPr>
+        <p:spPr/>
+        <p:txBody>
+          <a:bodyPr/>
+          <a:lstStyle/>
+          <a:p>
+            <a:r>
               <a:rPr lang="zh-CN" altLang="en-US" dirty="0"/>
               <a:t>用戶故事</a:t>
             </a:r>
@@ -8614,7 +8743,7 @@
 </p:sld>
 </file>
 
-<file path=ppt/slides/slide5.xml><?xml version="1.0" encoding="utf-8"?>
+<file path=ppt/slides/slide6.xml><?xml version="1.0" encoding="utf-8"?>
 <p:sld xmlns:a="http://schemas.openxmlformats.org/drawingml/2006/main" xmlns:r="http://schemas.openxmlformats.org/officeDocument/2006/relationships" xmlns:p="http://schemas.openxmlformats.org/presentationml/2006/main">
   <p:cSld>
     <p:spTree>
@@ -8696,7 +8825,7 @@
 </p:sld>
 </file>
 
-<file path=ppt/slides/slide6.xml><?xml version="1.0" encoding="utf-8"?>
+<file path=ppt/slides/slide7.xml><?xml version="1.0" encoding="utf-8"?>
 <p:sld xmlns:a="http://schemas.openxmlformats.org/drawingml/2006/main" xmlns:r="http://schemas.openxmlformats.org/officeDocument/2006/relationships" xmlns:p="http://schemas.openxmlformats.org/presentationml/2006/main">
   <p:cSld>
     <p:spTree>
@@ -8810,7 +8939,7 @@
 </p:sld>
 </file>
 
-<file path=ppt/slides/slide7.xml><?xml version="1.0" encoding="utf-8"?>
+<file path=ppt/slides/slide8.xml><?xml version="1.0" encoding="utf-8"?>
 <p:sld xmlns:a="http://schemas.openxmlformats.org/drawingml/2006/main" xmlns:r="http://schemas.openxmlformats.org/officeDocument/2006/relationships" xmlns:p="http://schemas.openxmlformats.org/presentationml/2006/main">
   <p:cSld>
     <p:spTree>
@@ -8908,7 +9037,7 @@
 </p:sld>
 </file>
 
-<file path=ppt/slides/slide8.xml><?xml version="1.0" encoding="utf-8"?>
+<file path=ppt/slides/slide9.xml><?xml version="1.0" encoding="utf-8"?>
 <p:sld xmlns:a="http://schemas.openxmlformats.org/drawingml/2006/main" xmlns:r="http://schemas.openxmlformats.org/officeDocument/2006/relationships" xmlns:p="http://schemas.openxmlformats.org/presentationml/2006/main">
   <p:cSld>
     <p:spTree>
@@ -8993,100 +9122,6 @@
     <p:extLst>
       <p:ext uri="{BB962C8B-B14F-4D97-AF65-F5344CB8AC3E}">
         <p14:creationId xmlns:p14="http://schemas.microsoft.com/office/powerpoint/2010/main" val="1605913685"/>
-      </p:ext>
-    </p:extLst>
-  </p:cSld>
-  <p:clrMapOvr>
-    <a:masterClrMapping/>
-  </p:clrMapOvr>
-</p:sld>
-</file>
-
-<file path=ppt/slides/slide9.xml><?xml version="1.0" encoding="utf-8"?>
-<p:sld xmlns:a="http://schemas.openxmlformats.org/drawingml/2006/main" xmlns:r="http://schemas.openxmlformats.org/officeDocument/2006/relationships" xmlns:p="http://schemas.openxmlformats.org/presentationml/2006/main">
-  <p:cSld>
-    <p:spTree>
-      <p:nvGrpSpPr>
-        <p:cNvPr id="1" name=""/>
-        <p:cNvGrpSpPr/>
-        <p:nvPr/>
-      </p:nvGrpSpPr>
-      <p:grpSpPr>
-        <a:xfrm>
-          <a:off x="0" y="0"/>
-          <a:ext cx="0" cy="0"/>
-          <a:chOff x="0" y="0"/>
-          <a:chExt cx="0" cy="0"/>
-        </a:xfrm>
-      </p:grpSpPr>
-      <p:sp>
-        <p:nvSpPr>
-          <p:cNvPr id="2" name="标题 1"/>
-          <p:cNvSpPr>
-            <a:spLocks noGrp="1"/>
-          </p:cNvSpPr>
-          <p:nvPr>
-            <p:ph type="title"/>
-          </p:nvPr>
-        </p:nvSpPr>
-        <p:spPr/>
-        <p:txBody>
-          <a:bodyPr/>
-          <a:lstStyle/>
-          <a:p>
-            <a:r>
-              <a:rPr lang="zh-CN" altLang="en-US" dirty="0" smtClean="0"/>
-              <a:t>系統開發</a:t>
-            </a:r>
-            <a:r>
-              <a:rPr lang="en-US" altLang="zh-CN" dirty="0" smtClean="0"/>
-              <a:t>-</a:t>
-            </a:r>
-            <a:r>
-              <a:rPr lang="zh-CN" altLang="en-US" dirty="0" smtClean="0"/>
-              <a:t>智能合約</a:t>
-            </a:r>
-            <a:endParaRPr lang="zh-MO" altLang="en-US" dirty="0"/>
-          </a:p>
-        </p:txBody>
-      </p:sp>
-      <p:sp>
-        <p:nvSpPr>
-          <p:cNvPr id="3" name="内容占位符 2"/>
-          <p:cNvSpPr>
-            <a:spLocks noGrp="1"/>
-          </p:cNvSpPr>
-          <p:nvPr>
-            <p:ph idx="1"/>
-          </p:nvPr>
-        </p:nvSpPr>
-        <p:spPr/>
-        <p:txBody>
-          <a:bodyPr/>
-          <a:lstStyle/>
-          <a:p>
-            <a:r>
-              <a:rPr lang="en-US" altLang="zh-CN" dirty="0" err="1" smtClean="0"/>
-              <a:t>PetMartet.sol</a:t>
-            </a:r>
-            <a:endParaRPr lang="en-US" altLang="zh-CN" dirty="0" smtClean="0"/>
-          </a:p>
-          <a:p>
-            <a:endParaRPr lang="en-US" altLang="zh-MO" dirty="0"/>
-          </a:p>
-          <a:p>
-            <a:r>
-              <a:rPr lang="en-US" altLang="zh-MO" dirty="0" err="1" smtClean="0"/>
-              <a:t>PetTable.sol</a:t>
-            </a:r>
-            <a:endParaRPr lang="zh-MO" altLang="en-US" dirty="0"/>
-          </a:p>
-        </p:txBody>
-      </p:sp>
-    </p:spTree>
-    <p:extLst>
-      <p:ext uri="{BB962C8B-B14F-4D97-AF65-F5344CB8AC3E}">
-        <p14:creationId xmlns:p14="http://schemas.microsoft.com/office/powerpoint/2010/main" val="2901467949"/>
       </p:ext>
     </p:extLst>
   </p:cSld>

--- a/docs/寵物售賣和轉賣分布式.pptx
+++ b/docs/寵物售賣和轉賣分布式.pptx
@@ -8100,9 +8100,10 @@
           </a:p>
           <a:p>
             <a:r>
-              <a:rPr lang="en-US" altLang="zh-CN" dirty="0" smtClean="0"/>
-              <a:t>CPTTM</a:t>
-            </a:r>
+              <a:rPr lang="en-US" altLang="zh-CN" smtClean="0"/>
+              <a:t>DSI</a:t>
+            </a:r>
+            <a:endParaRPr lang="en-US" altLang="zh-CN" dirty="0" smtClean="0"/>
           </a:p>
           <a:p>
             <a:pPr lvl="1"/>
@@ -8119,15 +8120,11 @@
           <a:p>
             <a:pPr lvl="1"/>
             <a:r>
-              <a:rPr lang="zh-CN" altLang="en-US"/>
-              <a:t>賀</a:t>
-            </a:r>
-            <a:r>
-              <a:rPr lang="zh-CN" altLang="en-US"/>
-              <a:t>文</a:t>
-            </a:r>
-            <a:r>
-              <a:rPr lang="zh-CN" altLang="en-US" smtClean="0"/>
+              <a:rPr lang="zh-CN" altLang="en-US" dirty="0"/>
+              <a:t>賀文</a:t>
+            </a:r>
+            <a:r>
+              <a:rPr lang="zh-CN" altLang="en-US" dirty="0" smtClean="0"/>
               <a:t>靖</a:t>
             </a:r>
             <a:endParaRPr lang="zh-MO" altLang="en-US" dirty="0"/>
